--- a/ExecutiveSummary/Project Task2-ExecutiveSummary(Presentation).pptx
+++ b/ExecutiveSummary/Project Task2-ExecutiveSummary(Presentation).pptx
@@ -6350,6 +6350,64 @@
           <a:xfrm>
             <a:off x="838200" y="4245552"/>
             <a:ext cx="7622309" cy="2458636"/>
+          </a:xfrm>
+          <a:prstGeom prst="rect">
+            <a:avLst/>
+          </a:prstGeom>
+        </p:spPr>
+      </p:pic>
+      <p:pic>
+        <p:nvPicPr>
+          <p:cNvPr id="4" name="Picture 3">
+            <a:extLst>
+              <a:ext uri="{FF2B5EF4-FFF2-40B4-BE49-F238E27FC236}">
+                <a16:creationId xmlns:a16="http://schemas.microsoft.com/office/drawing/2014/main" id="{A1254A80-67F4-4FEC-AD4C-60B16825B74D}"/>
+              </a:ext>
+            </a:extLst>
+          </p:cNvPr>
+          <p:cNvPicPr>
+            <a:picLocks noChangeAspect="1"/>
+          </p:cNvPicPr>
+          <p:nvPr/>
+        </p:nvPicPr>
+        <p:blipFill rotWithShape="1">
+          <a:blip r:embed="rId4"/>
+          <a:srcRect r="50918" b="35523"/>
+          <a:stretch/>
+        </p:blipFill>
+        <p:spPr>
+          <a:xfrm>
+            <a:off x="5713008" y="1974923"/>
+            <a:ext cx="1952509" cy="155448"/>
+          </a:xfrm>
+          <a:prstGeom prst="rect">
+            <a:avLst/>
+          </a:prstGeom>
+        </p:spPr>
+      </p:pic>
+      <p:pic>
+        <p:nvPicPr>
+          <p:cNvPr id="8" name="Picture 7">
+            <a:extLst>
+              <a:ext uri="{FF2B5EF4-FFF2-40B4-BE49-F238E27FC236}">
+                <a16:creationId xmlns:a16="http://schemas.microsoft.com/office/drawing/2014/main" id="{94C8C61C-0FB2-470D-8957-C6B49A0B7E07}"/>
+              </a:ext>
+            </a:extLst>
+          </p:cNvPr>
+          <p:cNvPicPr>
+            <a:picLocks noChangeAspect="1"/>
+          </p:cNvPicPr>
+          <p:nvPr/>
+        </p:nvPicPr>
+        <p:blipFill rotWithShape="1">
+          <a:blip r:embed="rId4"/>
+          <a:srcRect l="53316" t="-6020" r="-1"/>
+          <a:stretch/>
+        </p:blipFill>
+        <p:spPr>
+          <a:xfrm>
+            <a:off x="5713007" y="2130371"/>
+            <a:ext cx="1952509" cy="268742"/>
           </a:xfrm>
           <a:prstGeom prst="rect">
             <a:avLst/>

--- a/ExecutiveSummary/Project Task2-ExecutiveSummary(Presentation).pptx
+++ b/ExecutiveSummary/Project Task2-ExecutiveSummary(Presentation).pptx
@@ -275,7 +275,7 @@
           <a:p>
             <a:fld id="{FD20CD5C-7610-4D3F-8F84-A082FBBD2D06}" type="datetimeFigureOut">
               <a:rPr lang="en-US" smtClean="0"/>
-              <a:t>3/5/2022</a:t>
+              <a:t>3/9/2022</a:t>
             </a:fld>
             <a:endParaRPr lang="en-US"/>
           </a:p>
@@ -485,7 +485,7 @@
           <a:p>
             <a:fld id="{FD20CD5C-7610-4D3F-8F84-A082FBBD2D06}" type="datetimeFigureOut">
               <a:rPr lang="en-US" smtClean="0"/>
-              <a:t>3/5/2022</a:t>
+              <a:t>3/9/2022</a:t>
             </a:fld>
             <a:endParaRPr lang="en-US"/>
           </a:p>
@@ -705,7 +705,7 @@
           <a:p>
             <a:fld id="{FD20CD5C-7610-4D3F-8F84-A082FBBD2D06}" type="datetimeFigureOut">
               <a:rPr lang="en-US" smtClean="0"/>
-              <a:t>3/5/2022</a:t>
+              <a:t>3/9/2022</a:t>
             </a:fld>
             <a:endParaRPr lang="en-US"/>
           </a:p>
@@ -915,7 +915,7 @@
           <a:p>
             <a:fld id="{FD20CD5C-7610-4D3F-8F84-A082FBBD2D06}" type="datetimeFigureOut">
               <a:rPr lang="en-US" smtClean="0"/>
-              <a:t>3/5/2022</a:t>
+              <a:t>3/9/2022</a:t>
             </a:fld>
             <a:endParaRPr lang="en-US"/>
           </a:p>
@@ -1202,7 +1202,7 @@
           <a:p>
             <a:fld id="{FD20CD5C-7610-4D3F-8F84-A082FBBD2D06}" type="datetimeFigureOut">
               <a:rPr lang="en-US" smtClean="0"/>
-              <a:t>3/5/2022</a:t>
+              <a:t>3/9/2022</a:t>
             </a:fld>
             <a:endParaRPr lang="en-US"/>
           </a:p>
@@ -1479,7 +1479,7 @@
           <a:p>
             <a:fld id="{FD20CD5C-7610-4D3F-8F84-A082FBBD2D06}" type="datetimeFigureOut">
               <a:rPr lang="en-US" smtClean="0"/>
-              <a:t>3/5/2022</a:t>
+              <a:t>3/9/2022</a:t>
             </a:fld>
             <a:endParaRPr lang="en-US"/>
           </a:p>
@@ -1903,7 +1903,7 @@
           <a:p>
             <a:fld id="{FD20CD5C-7610-4D3F-8F84-A082FBBD2D06}" type="datetimeFigureOut">
               <a:rPr lang="en-US" smtClean="0"/>
-              <a:t>3/5/2022</a:t>
+              <a:t>3/9/2022</a:t>
             </a:fld>
             <a:endParaRPr lang="en-US"/>
           </a:p>
@@ -2056,7 +2056,7 @@
           <a:p>
             <a:fld id="{FD20CD5C-7610-4D3F-8F84-A082FBBD2D06}" type="datetimeFigureOut">
               <a:rPr lang="en-US" smtClean="0"/>
-              <a:t>3/5/2022</a:t>
+              <a:t>3/9/2022</a:t>
             </a:fld>
             <a:endParaRPr lang="en-US"/>
           </a:p>
@@ -2181,7 +2181,7 @@
           <a:p>
             <a:fld id="{FD20CD5C-7610-4D3F-8F84-A082FBBD2D06}" type="datetimeFigureOut">
               <a:rPr lang="en-US" smtClean="0"/>
-              <a:t>3/5/2022</a:t>
+              <a:t>3/9/2022</a:t>
             </a:fld>
             <a:endParaRPr lang="en-US"/>
           </a:p>
@@ -2504,7 +2504,7 @@
           <a:p>
             <a:fld id="{FD20CD5C-7610-4D3F-8F84-A082FBBD2D06}" type="datetimeFigureOut">
               <a:rPr lang="en-US" smtClean="0"/>
-              <a:t>3/5/2022</a:t>
+              <a:t>3/9/2022</a:t>
             </a:fld>
             <a:endParaRPr lang="en-US"/>
           </a:p>
@@ -2804,7 +2804,7 @@
           <a:p>
             <a:fld id="{FD20CD5C-7610-4D3F-8F84-A082FBBD2D06}" type="datetimeFigureOut">
               <a:rPr lang="en-US" smtClean="0"/>
-              <a:t>3/5/2022</a:t>
+              <a:t>3/9/2022</a:t>
             </a:fld>
             <a:endParaRPr lang="en-US"/>
           </a:p>
@@ -3060,7 +3060,7 @@
           <a:p>
             <a:fld id="{FD20CD5C-7610-4D3F-8F84-A082FBBD2D06}" type="datetimeFigureOut">
               <a:rPr lang="en-US" smtClean="0"/>
-              <a:t>3/5/2022</a:t>
+              <a:t>3/9/2022</a:t>
             </a:fld>
             <a:endParaRPr lang="en-US"/>
           </a:p>
@@ -3637,23 +3637,20 @@
           <a:p>
             <a:pPr algn="l"/>
             <a:r>
+              <a:rPr lang="en-US">
+                <a:solidFill>
+                  <a:srgbClr val="002060"/>
+                </a:solidFill>
+              </a:rPr>
+              <a:t>TANIYA </a:t>
+            </a:r>
+            <a:r>
               <a:rPr lang="en-US" dirty="0">
                 <a:solidFill>
                   <a:srgbClr val="002060"/>
                 </a:solidFill>
               </a:rPr>
-              <a:t>DSC 640</a:t>
-            </a:r>
-          </a:p>
-          <a:p>
-            <a:pPr algn="l"/>
-            <a:r>
-              <a:rPr lang="en-US" dirty="0">
-                <a:solidFill>
-                  <a:srgbClr val="002060"/>
-                </a:solidFill>
-              </a:rPr>
-              <a:t>TANIYA ADHIKARI</a:t>
+              <a:t>ADHIKARI</a:t>
             </a:r>
           </a:p>
         </p:txBody>
